--- a/MLP_Project/0414_Zoom/210411 C# Code Jieun.pptx
+++ b/MLP_Project/0414_Zoom/210411 C# Code Jieun.pptx
@@ -7283,7 +7283,7 @@
                     <a:p>
                       <a:pPr latinLnBrk="1"/>
                       <a:r>
-                        <a:rPr lang="en-US" altLang="ko-KR"/>
+                        <a:rPr lang="en-US" altLang="ko-KR" dirty="0" err="1"/>
                         <a:t>bundelsize</a:t>
                       </a:r>
                       <a:endParaRPr lang="ko-KR" altLang="en-US" dirty="0"/>

--- a/MLP_Project/0414_Zoom/210411 C# Code Jieun.pptx
+++ b/MLP_Project/0414_Zoom/210411 C# Code Jieun.pptx
@@ -14,6 +14,11 @@
     <p:sldId id="302" r:id="rId8"/>
     <p:sldId id="304" r:id="rId9"/>
     <p:sldId id="303" r:id="rId10"/>
+    <p:sldId id="258" r:id="rId11"/>
+    <p:sldId id="256" r:id="rId12"/>
+    <p:sldId id="257" r:id="rId13"/>
+    <p:sldId id="260" r:id="rId14"/>
+    <p:sldId id="259" r:id="rId15"/>
   </p:sldIdLst>
   <p:sldSz cx="12192000" cy="6858000"/>
   <p:notesSz cx="6858000" cy="9144000"/>
@@ -889,7 +894,7 @@
           <a:p>
             <a:fld id="{15F2D827-0E08-445A-8356-9D120E69A8BA}" type="datetimeFigureOut">
               <a:rPr lang="ko-KR" altLang="en-US" smtClean="0"/>
-              <a:t>2021-04-15</a:t>
+              <a:t>2021-05-04</a:t>
             </a:fld>
             <a:endParaRPr lang="ko-KR" altLang="en-US"/>
           </a:p>
@@ -1087,7 +1092,7 @@
           <a:p>
             <a:fld id="{15F2D827-0E08-445A-8356-9D120E69A8BA}" type="datetimeFigureOut">
               <a:rPr lang="ko-KR" altLang="en-US" smtClean="0"/>
-              <a:t>2021-04-15</a:t>
+              <a:t>2021-05-04</a:t>
             </a:fld>
             <a:endParaRPr lang="ko-KR" altLang="en-US"/>
           </a:p>
@@ -1295,7 +1300,7 @@
           <a:p>
             <a:fld id="{15F2D827-0E08-445A-8356-9D120E69A8BA}" type="datetimeFigureOut">
               <a:rPr lang="ko-KR" altLang="en-US" smtClean="0"/>
-              <a:t>2021-04-15</a:t>
+              <a:t>2021-05-04</a:t>
             </a:fld>
             <a:endParaRPr lang="ko-KR" altLang="en-US"/>
           </a:p>
@@ -1511,7 +1516,7 @@
           <a:p>
             <a:fld id="{A7E60D0F-AD51-4083-94B3-5363C3B422DB}" type="datetime1">
               <a:rPr lang="ko-KR" altLang="en-US" smtClean="0"/>
-              <a:t>2021-04-15</a:t>
+              <a:t>2021-05-04</a:t>
             </a:fld>
             <a:endParaRPr lang="ko-KR" altLang="en-US"/>
           </a:p>
@@ -2086,7 +2091,7 @@
             <a:pPr algn="r"/>
             <a:fld id="{5E6E78F3-B9B3-41C4-9CC7-01C5D5308963}" type="datetime1">
               <a:rPr lang="ko-KR" altLang="en-US" smtClean="0"/>
-              <a:t>2021-04-15</a:t>
+              <a:t>2021-05-04</a:t>
             </a:fld>
             <a:endParaRPr lang="ko-KR" altLang="en-US"/>
           </a:p>
@@ -2732,7 +2737,7 @@
           <a:p>
             <a:fld id="{15F2D827-0E08-445A-8356-9D120E69A8BA}" type="datetimeFigureOut">
               <a:rPr lang="ko-KR" altLang="en-US" smtClean="0"/>
-              <a:t>2021-04-15</a:t>
+              <a:t>2021-05-04</a:t>
             </a:fld>
             <a:endParaRPr lang="ko-KR" altLang="en-US"/>
           </a:p>
@@ -3007,7 +3012,7 @@
           <a:p>
             <a:fld id="{15F2D827-0E08-445A-8356-9D120E69A8BA}" type="datetimeFigureOut">
               <a:rPr lang="ko-KR" altLang="en-US" smtClean="0"/>
-              <a:t>2021-04-15</a:t>
+              <a:t>2021-05-04</a:t>
             </a:fld>
             <a:endParaRPr lang="ko-KR" altLang="en-US"/>
           </a:p>
@@ -3272,7 +3277,7 @@
           <a:p>
             <a:fld id="{15F2D827-0E08-445A-8356-9D120E69A8BA}" type="datetimeFigureOut">
               <a:rPr lang="ko-KR" altLang="en-US" smtClean="0"/>
-              <a:t>2021-04-15</a:t>
+              <a:t>2021-05-04</a:t>
             </a:fld>
             <a:endParaRPr lang="ko-KR" altLang="en-US"/>
           </a:p>
@@ -3684,7 +3689,7 @@
           <a:p>
             <a:fld id="{15F2D827-0E08-445A-8356-9D120E69A8BA}" type="datetimeFigureOut">
               <a:rPr lang="ko-KR" altLang="en-US" smtClean="0"/>
-              <a:t>2021-04-15</a:t>
+              <a:t>2021-05-04</a:t>
             </a:fld>
             <a:endParaRPr lang="ko-KR" altLang="en-US"/>
           </a:p>
@@ -3825,7 +3830,7 @@
           <a:p>
             <a:fld id="{15F2D827-0E08-445A-8356-9D120E69A8BA}" type="datetimeFigureOut">
               <a:rPr lang="ko-KR" altLang="en-US" smtClean="0"/>
-              <a:t>2021-04-15</a:t>
+              <a:t>2021-05-04</a:t>
             </a:fld>
             <a:endParaRPr lang="ko-KR" altLang="en-US"/>
           </a:p>
@@ -3938,7 +3943,7 @@
           <a:p>
             <a:fld id="{15F2D827-0E08-445A-8356-9D120E69A8BA}" type="datetimeFigureOut">
               <a:rPr lang="ko-KR" altLang="en-US" smtClean="0"/>
-              <a:t>2021-04-15</a:t>
+              <a:t>2021-05-04</a:t>
             </a:fld>
             <a:endParaRPr lang="ko-KR" altLang="en-US"/>
           </a:p>
@@ -4249,7 +4254,7 @@
           <a:p>
             <a:fld id="{15F2D827-0E08-445A-8356-9D120E69A8BA}" type="datetimeFigureOut">
               <a:rPr lang="ko-KR" altLang="en-US" smtClean="0"/>
-              <a:t>2021-04-15</a:t>
+              <a:t>2021-05-04</a:t>
             </a:fld>
             <a:endParaRPr lang="ko-KR" altLang="en-US"/>
           </a:p>
@@ -4537,7 +4542,7 @@
           <a:p>
             <a:fld id="{15F2D827-0E08-445A-8356-9D120E69A8BA}" type="datetimeFigureOut">
               <a:rPr lang="ko-KR" altLang="en-US" smtClean="0"/>
-              <a:t>2021-04-15</a:t>
+              <a:t>2021-05-04</a:t>
             </a:fld>
             <a:endParaRPr lang="ko-KR" altLang="en-US"/>
           </a:p>
@@ -4778,7 +4783,7 @@
           <a:p>
             <a:fld id="{15F2D827-0E08-445A-8356-9D120E69A8BA}" type="datetimeFigureOut">
               <a:rPr lang="ko-KR" altLang="en-US" smtClean="0"/>
-              <a:t>2021-04-15</a:t>
+              <a:t>2021-05-04</a:t>
             </a:fld>
             <a:endParaRPr lang="ko-KR" altLang="en-US"/>
           </a:p>
@@ -5311,6 +5316,1837 @@
     <p:extLst>
       <p:ext uri="{BB962C8B-B14F-4D97-AF65-F5344CB8AC3E}">
         <p14:creationId xmlns:p14="http://schemas.microsoft.com/office/powerpoint/2010/main" val="600017923"/>
+      </p:ext>
+    </p:extLst>
+  </p:cSld>
+  <p:clrMapOvr>
+    <a:masterClrMapping/>
+  </p:clrMapOvr>
+</p:sld>
+</file>
+
+<file path=ppt/slides/slide10.xml><?xml version="1.0" encoding="utf-8"?>
+<p:sld xmlns:a="http://schemas.openxmlformats.org/drawingml/2006/main" xmlns:r="http://schemas.openxmlformats.org/officeDocument/2006/relationships" xmlns:p="http://schemas.openxmlformats.org/presentationml/2006/main">
+  <p:cSld>
+    <p:spTree>
+      <p:nvGrpSpPr>
+        <p:cNvPr id="1" name=""/>
+        <p:cNvGrpSpPr/>
+        <p:nvPr/>
+      </p:nvGrpSpPr>
+      <p:grpSpPr>
+        <a:xfrm>
+          <a:off x="0" y="0"/>
+          <a:ext cx="0" cy="0"/>
+          <a:chOff x="0" y="0"/>
+          <a:chExt cx="0" cy="0"/>
+        </a:xfrm>
+      </p:grpSpPr>
+      <p:sp>
+        <p:nvSpPr>
+          <p:cNvPr id="2" name="제목 1">
+            <a:extLst>
+              <a:ext uri="{FF2B5EF4-FFF2-40B4-BE49-F238E27FC236}">
+                <a16:creationId xmlns:a16="http://schemas.microsoft.com/office/drawing/2014/main" id="{840C3D6B-5964-47C4-8026-1121058E7BA6}"/>
+              </a:ext>
+            </a:extLst>
+          </p:cNvPr>
+          <p:cNvSpPr>
+            <a:spLocks noGrp="1"/>
+          </p:cNvSpPr>
+          <p:nvPr>
+            <p:ph type="title"/>
+          </p:nvPr>
+        </p:nvSpPr>
+        <p:spPr/>
+        <p:txBody>
+          <a:bodyPr/>
+          <a:lstStyle/>
+          <a:p>
+            <a:endParaRPr lang="ko-KR" altLang="en-US"/>
+          </a:p>
+        </p:txBody>
+      </p:sp>
+      <p:sp>
+        <p:nvSpPr>
+          <p:cNvPr id="3" name="내용 개체 틀 2">
+            <a:extLst>
+              <a:ext uri="{FF2B5EF4-FFF2-40B4-BE49-F238E27FC236}">
+                <a16:creationId xmlns:a16="http://schemas.microsoft.com/office/drawing/2014/main" id="{19FB175F-C6D6-4ED8-8ABB-707704C062CD}"/>
+              </a:ext>
+            </a:extLst>
+          </p:cNvPr>
+          <p:cNvSpPr>
+            <a:spLocks noGrp="1"/>
+          </p:cNvSpPr>
+          <p:nvPr>
+            <p:ph idx="1"/>
+          </p:nvPr>
+        </p:nvSpPr>
+        <p:spPr/>
+        <p:txBody>
+          <a:bodyPr/>
+          <a:lstStyle/>
+          <a:p>
+            <a:endParaRPr lang="ko-KR" altLang="en-US"/>
+          </a:p>
+        </p:txBody>
+      </p:sp>
+      <p:pic>
+        <p:nvPicPr>
+          <p:cNvPr id="5" name="그림 4">
+            <a:extLst>
+              <a:ext uri="{FF2B5EF4-FFF2-40B4-BE49-F238E27FC236}">
+                <a16:creationId xmlns:a16="http://schemas.microsoft.com/office/drawing/2014/main" id="{DF0AFD94-71AC-438E-B9A6-5CF1019D8199}"/>
+              </a:ext>
+            </a:extLst>
+          </p:cNvPr>
+          <p:cNvPicPr>
+            <a:picLocks noChangeAspect="1"/>
+          </p:cNvPicPr>
+          <p:nvPr/>
+        </p:nvPicPr>
+        <p:blipFill>
+          <a:blip r:embed="rId2"/>
+          <a:stretch>
+            <a:fillRect/>
+          </a:stretch>
+        </p:blipFill>
+        <p:spPr>
+          <a:xfrm>
+            <a:off x="4486275" y="881062"/>
+            <a:ext cx="3219450" cy="5095875"/>
+          </a:xfrm>
+          <a:prstGeom prst="rect">
+            <a:avLst/>
+          </a:prstGeom>
+        </p:spPr>
+      </p:pic>
+    </p:spTree>
+    <p:extLst>
+      <p:ext uri="{BB962C8B-B14F-4D97-AF65-F5344CB8AC3E}">
+        <p14:creationId xmlns:p14="http://schemas.microsoft.com/office/powerpoint/2010/main" val="3559512705"/>
+      </p:ext>
+    </p:extLst>
+  </p:cSld>
+  <p:clrMapOvr>
+    <a:masterClrMapping/>
+  </p:clrMapOvr>
+</p:sld>
+</file>
+
+<file path=ppt/slides/slide11.xml><?xml version="1.0" encoding="utf-8"?>
+<p:sld xmlns:a="http://schemas.openxmlformats.org/drawingml/2006/main" xmlns:r="http://schemas.openxmlformats.org/officeDocument/2006/relationships" xmlns:p="http://schemas.openxmlformats.org/presentationml/2006/main">
+  <p:cSld>
+    <p:spTree>
+      <p:nvGrpSpPr>
+        <p:cNvPr id="1" name=""/>
+        <p:cNvGrpSpPr/>
+        <p:nvPr/>
+      </p:nvGrpSpPr>
+      <p:grpSpPr>
+        <a:xfrm>
+          <a:off x="0" y="0"/>
+          <a:ext cx="0" cy="0"/>
+          <a:chOff x="0" y="0"/>
+          <a:chExt cx="0" cy="0"/>
+        </a:xfrm>
+      </p:grpSpPr>
+      <p:sp>
+        <p:nvSpPr>
+          <p:cNvPr id="2" name="제목 1">
+            <a:extLst>
+              <a:ext uri="{FF2B5EF4-FFF2-40B4-BE49-F238E27FC236}">
+                <a16:creationId xmlns:a16="http://schemas.microsoft.com/office/drawing/2014/main" id="{452EAA4E-9EF3-439C-A529-A85A9C60CC29}"/>
+              </a:ext>
+            </a:extLst>
+          </p:cNvPr>
+          <p:cNvSpPr>
+            <a:spLocks noGrp="1"/>
+          </p:cNvSpPr>
+          <p:nvPr>
+            <p:ph type="ctrTitle"/>
+          </p:nvPr>
+        </p:nvSpPr>
+        <p:spPr/>
+        <p:txBody>
+          <a:bodyPr/>
+          <a:lstStyle/>
+          <a:p>
+            <a:pPr marL="228600" marR="0" lvl="0" indent="-228600" defTabSz="914400" rtl="0" eaLnBrk="1" fontAlgn="auto" latinLnBrk="1" hangingPunct="1">
+              <a:lnSpc>
+                <a:spcPct val="90000"/>
+              </a:lnSpc>
+              <a:spcBef>
+                <a:spcPts val="1000"/>
+              </a:spcBef>
+              <a:spcAft>
+                <a:spcPts val="0"/>
+              </a:spcAft>
+              <a:tabLst/>
+              <a:defRPr/>
+            </a:pPr>
+            <a:r>
+              <a:rPr kumimoji="0" lang="en-US" altLang="ko-KR" sz="1700" b="0" i="0" u="none" strike="noStrike" kern="1200" cap="none" spc="0" normalizeH="0" baseline="0" noProof="0" dirty="0">
+                <a:ln>
+                  <a:noFill/>
+                </a:ln>
+                <a:solidFill>
+                  <a:srgbClr val="008000"/>
+                </a:solidFill>
+                <a:effectLst/>
+                <a:uLnTx/>
+                <a:uFillTx/>
+                <a:latin typeface="돋움체" panose="020B0609000101010101" pitchFamily="49" charset="-127"/>
+                <a:ea typeface="돋움체" panose="020B0609000101010101" pitchFamily="49" charset="-127"/>
+                <a:cs typeface="+mn-cs"/>
+              </a:rPr>
+              <a:t>/// &lt;summary&gt;</a:t>
+            </a:r>
+            <a:br>
+              <a:rPr kumimoji="0" lang="en-US" altLang="ko-KR" sz="1700" b="0" i="0" u="none" strike="noStrike" kern="1200" cap="none" spc="0" normalizeH="0" baseline="0" noProof="0" dirty="0">
+                <a:ln>
+                  <a:noFill/>
+                </a:ln>
+                <a:solidFill>
+                  <a:srgbClr val="000000"/>
+                </a:solidFill>
+                <a:effectLst/>
+                <a:uLnTx/>
+                <a:uFillTx/>
+                <a:latin typeface="돋움체" panose="020B0609000101010101" pitchFamily="49" charset="-127"/>
+                <a:ea typeface="돋움체" panose="020B0609000101010101" pitchFamily="49" charset="-127"/>
+                <a:cs typeface="+mn-cs"/>
+              </a:rPr>
+            </a:br>
+            <a:r>
+              <a:rPr kumimoji="0" lang="en-US" altLang="ko-KR" sz="1700" b="0" i="0" u="none" strike="noStrike" kern="1200" cap="none" spc="0" normalizeH="0" baseline="0" noProof="0" dirty="0">
+                <a:ln>
+                  <a:noFill/>
+                </a:ln>
+                <a:solidFill>
+                  <a:srgbClr val="000000"/>
+                </a:solidFill>
+                <a:effectLst/>
+                <a:uLnTx/>
+                <a:uFillTx/>
+                <a:latin typeface="돋움체" panose="020B0609000101010101" pitchFamily="49" charset="-127"/>
+                <a:ea typeface="돋움체" panose="020B0609000101010101" pitchFamily="49" charset="-127"/>
+                <a:cs typeface="+mn-cs"/>
+              </a:rPr>
+              <a:t>    </a:t>
+            </a:r>
+            <a:r>
+              <a:rPr kumimoji="0" lang="en-US" altLang="ko-KR" sz="1700" b="0" i="0" u="none" strike="noStrike" kern="1200" cap="none" spc="0" normalizeH="0" baseline="0" noProof="0" dirty="0">
+                <a:ln>
+                  <a:noFill/>
+                </a:ln>
+                <a:solidFill>
+                  <a:srgbClr val="008000"/>
+                </a:solidFill>
+                <a:effectLst/>
+                <a:uLnTx/>
+                <a:uFillTx/>
+                <a:latin typeface="돋움체" panose="020B0609000101010101" pitchFamily="49" charset="-127"/>
+                <a:ea typeface="돋움체" panose="020B0609000101010101" pitchFamily="49" charset="-127"/>
+                <a:cs typeface="+mn-cs"/>
+              </a:rPr>
+              <a:t>/// A class exposing methods to generate orders before starting the simulation and for generating configurations for online generation.</a:t>
+            </a:r>
+            <a:br>
+              <a:rPr kumimoji="0" lang="en-US" altLang="ko-KR" sz="1700" b="0" i="0" u="none" strike="noStrike" kern="1200" cap="none" spc="0" normalizeH="0" baseline="0" noProof="0" dirty="0">
+                <a:ln>
+                  <a:noFill/>
+                </a:ln>
+                <a:solidFill>
+                  <a:srgbClr val="000000"/>
+                </a:solidFill>
+                <a:effectLst/>
+                <a:uLnTx/>
+                <a:uFillTx/>
+                <a:latin typeface="돋움체" panose="020B0609000101010101" pitchFamily="49" charset="-127"/>
+                <a:ea typeface="돋움체" panose="020B0609000101010101" pitchFamily="49" charset="-127"/>
+                <a:cs typeface="+mn-cs"/>
+              </a:rPr>
+            </a:br>
+            <a:r>
+              <a:rPr kumimoji="0" lang="en-US" altLang="ko-KR" sz="1700" b="0" i="0" u="none" strike="noStrike" kern="1200" cap="none" spc="0" normalizeH="0" baseline="0" noProof="0" dirty="0">
+                <a:ln>
+                  <a:noFill/>
+                </a:ln>
+                <a:solidFill>
+                  <a:srgbClr val="000000"/>
+                </a:solidFill>
+                <a:effectLst/>
+                <a:uLnTx/>
+                <a:uFillTx/>
+                <a:latin typeface="돋움체" panose="020B0609000101010101" pitchFamily="49" charset="-127"/>
+                <a:ea typeface="돋움체" panose="020B0609000101010101" pitchFamily="49" charset="-127"/>
+                <a:cs typeface="+mn-cs"/>
+              </a:rPr>
+              <a:t>    </a:t>
+            </a:r>
+            <a:r>
+              <a:rPr kumimoji="0" lang="en-US" altLang="ko-KR" sz="1700" b="0" i="0" u="none" strike="noStrike" kern="1200" cap="none" spc="0" normalizeH="0" baseline="0" noProof="0" dirty="0">
+                <a:ln>
+                  <a:noFill/>
+                </a:ln>
+                <a:solidFill>
+                  <a:srgbClr val="008000"/>
+                </a:solidFill>
+                <a:effectLst/>
+                <a:uLnTx/>
+                <a:uFillTx/>
+                <a:latin typeface="돋움체" panose="020B0609000101010101" pitchFamily="49" charset="-127"/>
+                <a:ea typeface="돋움체" panose="020B0609000101010101" pitchFamily="49" charset="-127"/>
+                <a:cs typeface="+mn-cs"/>
+              </a:rPr>
+              <a:t>/// &lt;/summary&gt;</a:t>
+            </a:r>
+            <a:br>
+              <a:rPr kumimoji="0" lang="en-US" altLang="ko-KR" sz="1700" b="0" i="0" u="none" strike="noStrike" kern="1200" cap="none" spc="0" normalizeH="0" baseline="0" noProof="0" dirty="0">
+                <a:ln>
+                  <a:noFill/>
+                </a:ln>
+                <a:solidFill>
+                  <a:srgbClr val="000000"/>
+                </a:solidFill>
+                <a:effectLst/>
+                <a:uLnTx/>
+                <a:uFillTx/>
+                <a:latin typeface="돋움체" panose="020B0609000101010101" pitchFamily="49" charset="-127"/>
+                <a:ea typeface="돋움체" panose="020B0609000101010101" pitchFamily="49" charset="-127"/>
+                <a:cs typeface="+mn-cs"/>
+              </a:rPr>
+            </a:br>
+            <a:r>
+              <a:rPr kumimoji="0" lang="en-US" altLang="ko-KR" sz="1700" b="0" i="0" u="none" strike="noStrike" kern="1200" cap="none" spc="0" normalizeH="0" baseline="0" noProof="0" dirty="0">
+                <a:ln>
+                  <a:noFill/>
+                </a:ln>
+                <a:solidFill>
+                  <a:srgbClr val="000000"/>
+                </a:solidFill>
+                <a:effectLst/>
+                <a:uLnTx/>
+                <a:uFillTx/>
+                <a:latin typeface="돋움체" panose="020B0609000101010101" pitchFamily="49" charset="-127"/>
+                <a:ea typeface="돋움체" panose="020B0609000101010101" pitchFamily="49" charset="-127"/>
+                <a:cs typeface="+mn-cs"/>
+              </a:rPr>
+              <a:t>    </a:t>
+            </a:r>
+            <a:r>
+              <a:rPr kumimoji="0" lang="en-US" altLang="ko-KR" sz="1700" b="0" i="0" u="none" strike="noStrike" kern="1200" cap="none" spc="0" normalizeH="0" baseline="0" noProof="0" dirty="0">
+                <a:ln>
+                  <a:noFill/>
+                </a:ln>
+                <a:solidFill>
+                  <a:srgbClr val="0000FF"/>
+                </a:solidFill>
+                <a:effectLst/>
+                <a:uLnTx/>
+                <a:uFillTx/>
+                <a:latin typeface="돋움체" panose="020B0609000101010101" pitchFamily="49" charset="-127"/>
+                <a:ea typeface="돋움체" panose="020B0609000101010101" pitchFamily="49" charset="-127"/>
+                <a:cs typeface="+mn-cs"/>
+              </a:rPr>
+              <a:t>public</a:t>
+            </a:r>
+            <a:r>
+              <a:rPr kumimoji="0" lang="en-US" altLang="ko-KR" sz="1700" b="0" i="0" u="none" strike="noStrike" kern="1200" cap="none" spc="0" normalizeH="0" baseline="0" noProof="0" dirty="0">
+                <a:ln>
+                  <a:noFill/>
+                </a:ln>
+                <a:solidFill>
+                  <a:srgbClr val="000000"/>
+                </a:solidFill>
+                <a:effectLst/>
+                <a:uLnTx/>
+                <a:uFillTx/>
+                <a:latin typeface="돋움체" panose="020B0609000101010101" pitchFamily="49" charset="-127"/>
+                <a:ea typeface="돋움체" panose="020B0609000101010101" pitchFamily="49" charset="-127"/>
+                <a:cs typeface="+mn-cs"/>
+              </a:rPr>
+              <a:t> </a:t>
+            </a:r>
+            <a:r>
+              <a:rPr kumimoji="0" lang="en-US" altLang="ko-KR" sz="1700" b="0" i="0" u="none" strike="noStrike" kern="1200" cap="none" spc="0" normalizeH="0" baseline="0" noProof="0" dirty="0">
+                <a:ln>
+                  <a:noFill/>
+                </a:ln>
+                <a:solidFill>
+                  <a:srgbClr val="0000FF"/>
+                </a:solidFill>
+                <a:effectLst/>
+                <a:uLnTx/>
+                <a:uFillTx/>
+                <a:latin typeface="돋움체" panose="020B0609000101010101" pitchFamily="49" charset="-127"/>
+                <a:ea typeface="돋움체" panose="020B0609000101010101" pitchFamily="49" charset="-127"/>
+                <a:cs typeface="+mn-cs"/>
+              </a:rPr>
+              <a:t>class</a:t>
+            </a:r>
+            <a:r>
+              <a:rPr kumimoji="0" lang="en-US" altLang="ko-KR" sz="1700" b="0" i="0" u="none" strike="noStrike" kern="1200" cap="none" spc="0" normalizeH="0" baseline="0" noProof="0" dirty="0">
+                <a:ln>
+                  <a:noFill/>
+                </a:ln>
+                <a:solidFill>
+                  <a:srgbClr val="000000"/>
+                </a:solidFill>
+                <a:effectLst/>
+                <a:uLnTx/>
+                <a:uFillTx/>
+                <a:latin typeface="돋움체" panose="020B0609000101010101" pitchFamily="49" charset="-127"/>
+                <a:ea typeface="돋움체" panose="020B0609000101010101" pitchFamily="49" charset="-127"/>
+                <a:cs typeface="+mn-cs"/>
+              </a:rPr>
+              <a:t> </a:t>
+            </a:r>
+            <a:r>
+              <a:rPr kumimoji="0" lang="en-US" altLang="ko-KR" sz="1700" b="0" i="0" u="none" strike="noStrike" kern="1200" cap="none" spc="0" normalizeH="0" baseline="0" noProof="0" dirty="0" err="1">
+                <a:ln>
+                  <a:noFill/>
+                </a:ln>
+                <a:solidFill>
+                  <a:srgbClr val="2B91AF"/>
+                </a:solidFill>
+                <a:effectLst/>
+                <a:uLnTx/>
+                <a:uFillTx/>
+                <a:latin typeface="돋움체" panose="020B0609000101010101" pitchFamily="49" charset="-127"/>
+                <a:ea typeface="돋움체" panose="020B0609000101010101" pitchFamily="49" charset="-127"/>
+                <a:cs typeface="+mn-cs"/>
+              </a:rPr>
+              <a:t>OrderGenerator</a:t>
+            </a:r>
+            <a:br>
+              <a:rPr kumimoji="0" lang="en-US" altLang="ko-KR" sz="1700" b="0" i="0" u="none" strike="noStrike" kern="1200" cap="none" spc="0" normalizeH="0" baseline="0" noProof="0" dirty="0">
+                <a:ln>
+                  <a:noFill/>
+                </a:ln>
+                <a:solidFill>
+                  <a:srgbClr val="2B91AF"/>
+                </a:solidFill>
+                <a:effectLst/>
+                <a:uLnTx/>
+                <a:uFillTx/>
+                <a:latin typeface="돋움체" panose="020B0609000101010101" pitchFamily="49" charset="-127"/>
+                <a:ea typeface="돋움체" panose="020B0609000101010101" pitchFamily="49" charset="-127"/>
+                <a:cs typeface="+mn-cs"/>
+              </a:rPr>
+            </a:br>
+            <a:endParaRPr lang="ko-KR" altLang="en-US" dirty="0"/>
+          </a:p>
+        </p:txBody>
+      </p:sp>
+      <p:sp>
+        <p:nvSpPr>
+          <p:cNvPr id="3" name="부제목 2">
+            <a:extLst>
+              <a:ext uri="{FF2B5EF4-FFF2-40B4-BE49-F238E27FC236}">
+                <a16:creationId xmlns:a16="http://schemas.microsoft.com/office/drawing/2014/main" id="{2E1F6B0F-DD8C-4B97-AF50-60BE241FBCC6}"/>
+              </a:ext>
+            </a:extLst>
+          </p:cNvPr>
+          <p:cNvSpPr>
+            <a:spLocks noGrp="1"/>
+          </p:cNvSpPr>
+          <p:nvPr>
+            <p:ph type="subTitle" idx="1"/>
+          </p:nvPr>
+        </p:nvSpPr>
+        <p:spPr/>
+        <p:txBody>
+          <a:bodyPr/>
+          <a:lstStyle/>
+          <a:p>
+            <a:endParaRPr lang="ko-KR" altLang="en-US"/>
+          </a:p>
+        </p:txBody>
+      </p:sp>
+    </p:spTree>
+    <p:extLst>
+      <p:ext uri="{BB962C8B-B14F-4D97-AF65-F5344CB8AC3E}">
+        <p14:creationId xmlns:p14="http://schemas.microsoft.com/office/powerpoint/2010/main" val="156425008"/>
+      </p:ext>
+    </p:extLst>
+  </p:cSld>
+  <p:clrMapOvr>
+    <a:masterClrMapping/>
+  </p:clrMapOvr>
+</p:sld>
+</file>
+
+<file path=ppt/slides/slide12.xml><?xml version="1.0" encoding="utf-8"?>
+<p:sld xmlns:a="http://schemas.openxmlformats.org/drawingml/2006/main" xmlns:r="http://schemas.openxmlformats.org/officeDocument/2006/relationships" xmlns:p="http://schemas.openxmlformats.org/presentationml/2006/main">
+  <p:cSld>
+    <p:spTree>
+      <p:nvGrpSpPr>
+        <p:cNvPr id="1" name=""/>
+        <p:cNvGrpSpPr/>
+        <p:nvPr/>
+      </p:nvGrpSpPr>
+      <p:grpSpPr>
+        <a:xfrm>
+          <a:off x="0" y="0"/>
+          <a:ext cx="0" cy="0"/>
+          <a:chOff x="0" y="0"/>
+          <a:chExt cx="0" cy="0"/>
+        </a:xfrm>
+      </p:grpSpPr>
+      <p:sp>
+        <p:nvSpPr>
+          <p:cNvPr id="2" name="제목 1">
+            <a:extLst>
+              <a:ext uri="{FF2B5EF4-FFF2-40B4-BE49-F238E27FC236}">
+                <a16:creationId xmlns:a16="http://schemas.microsoft.com/office/drawing/2014/main" id="{6F6BDACA-EDB7-4A0E-A2EF-225B6A8D680E}"/>
+              </a:ext>
+            </a:extLst>
+          </p:cNvPr>
+          <p:cNvSpPr>
+            <a:spLocks noGrp="1"/>
+          </p:cNvSpPr>
+          <p:nvPr>
+            <p:ph type="title"/>
+          </p:nvPr>
+        </p:nvSpPr>
+        <p:spPr/>
+        <p:txBody>
+          <a:bodyPr/>
+          <a:lstStyle/>
+          <a:p>
+            <a:endParaRPr lang="ko-KR" altLang="en-US"/>
+          </a:p>
+        </p:txBody>
+      </p:sp>
+      <p:sp>
+        <p:nvSpPr>
+          <p:cNvPr id="3" name="내용 개체 틀 2">
+            <a:extLst>
+              <a:ext uri="{FF2B5EF4-FFF2-40B4-BE49-F238E27FC236}">
+                <a16:creationId xmlns:a16="http://schemas.microsoft.com/office/drawing/2014/main" id="{E19FCE3C-68D1-45B2-B992-305A4D1C24AC}"/>
+              </a:ext>
+            </a:extLst>
+          </p:cNvPr>
+          <p:cNvSpPr>
+            <a:spLocks noGrp="1"/>
+          </p:cNvSpPr>
+          <p:nvPr>
+            <p:ph idx="1"/>
+          </p:nvPr>
+        </p:nvSpPr>
+        <p:spPr/>
+        <p:txBody>
+          <a:bodyPr>
+            <a:normAutofit fontScale="85000" lnSpcReduction="20000"/>
+          </a:bodyPr>
+          <a:lstStyle/>
+          <a:p>
+            <a:r>
+              <a:rPr lang="en-US" altLang="ko-KR" sz="1800" dirty="0">
+                <a:solidFill>
+                  <a:srgbClr val="0000FF"/>
+                </a:solidFill>
+                <a:latin typeface="돋움체" panose="020B0609000101010101" pitchFamily="49" charset="-127"/>
+                <a:ea typeface="돋움체" panose="020B0609000101010101" pitchFamily="49" charset="-127"/>
+              </a:rPr>
+              <a:t>public</a:t>
+            </a:r>
+            <a:r>
+              <a:rPr lang="en-US" altLang="ko-KR" sz="1800" dirty="0">
+                <a:solidFill>
+                  <a:srgbClr val="000000"/>
+                </a:solidFill>
+                <a:latin typeface="돋움체" panose="020B0609000101010101" pitchFamily="49" charset="-127"/>
+                <a:ea typeface="돋움체" panose="020B0609000101010101" pitchFamily="49" charset="-127"/>
+              </a:rPr>
+              <a:t> </a:t>
+            </a:r>
+            <a:r>
+              <a:rPr lang="en-US" altLang="ko-KR" sz="1800" dirty="0">
+                <a:solidFill>
+                  <a:srgbClr val="0000FF"/>
+                </a:solidFill>
+                <a:latin typeface="돋움체" panose="020B0609000101010101" pitchFamily="49" charset="-127"/>
+                <a:ea typeface="돋움체" panose="020B0609000101010101" pitchFamily="49" charset="-127"/>
+              </a:rPr>
+              <a:t>static</a:t>
+            </a:r>
+            <a:r>
+              <a:rPr lang="en-US" altLang="ko-KR" sz="1800" dirty="0">
+                <a:solidFill>
+                  <a:srgbClr val="000000"/>
+                </a:solidFill>
+                <a:latin typeface="돋움체" panose="020B0609000101010101" pitchFamily="49" charset="-127"/>
+                <a:ea typeface="돋움체" panose="020B0609000101010101" pitchFamily="49" charset="-127"/>
+              </a:rPr>
+              <a:t> </a:t>
+            </a:r>
+            <a:r>
+              <a:rPr lang="en-US" altLang="ko-KR" sz="1800" dirty="0" err="1">
+                <a:solidFill>
+                  <a:srgbClr val="000000"/>
+                </a:solidFill>
+                <a:latin typeface="돋움체" panose="020B0609000101010101" pitchFamily="49" charset="-127"/>
+                <a:ea typeface="돋움체" panose="020B0609000101010101" pitchFamily="49" charset="-127"/>
+              </a:rPr>
+              <a:t>OrderList</a:t>
+            </a:r>
+            <a:r>
+              <a:rPr lang="en-US" altLang="ko-KR" sz="1800" dirty="0">
+                <a:solidFill>
+                  <a:srgbClr val="000000"/>
+                </a:solidFill>
+                <a:latin typeface="돋움체" panose="020B0609000101010101" pitchFamily="49" charset="-127"/>
+                <a:ea typeface="돋움체" panose="020B0609000101010101" pitchFamily="49" charset="-127"/>
+              </a:rPr>
+              <a:t> </a:t>
+            </a:r>
+            <a:r>
+              <a:rPr lang="en-US" altLang="ko-KR" sz="1800" dirty="0" err="1">
+                <a:solidFill>
+                  <a:srgbClr val="000000"/>
+                </a:solidFill>
+                <a:latin typeface="돋움체" panose="020B0609000101010101" pitchFamily="49" charset="-127"/>
+                <a:ea typeface="돋움체" panose="020B0609000101010101" pitchFamily="49" charset="-127"/>
+              </a:rPr>
+              <a:t>GenerateOrders</a:t>
+            </a:r>
+            <a:r>
+              <a:rPr lang="en-US" altLang="ko-KR" sz="1800" dirty="0">
+                <a:solidFill>
+                  <a:srgbClr val="000000"/>
+                </a:solidFill>
+                <a:latin typeface="돋움체" panose="020B0609000101010101" pitchFamily="49" charset="-127"/>
+                <a:ea typeface="돋움체" panose="020B0609000101010101" pitchFamily="49" charset="-127"/>
+              </a:rPr>
+              <a:t>(</a:t>
+            </a:r>
+          </a:p>
+          <a:p>
+            <a:r>
+              <a:rPr lang="en-US" altLang="ko-KR" sz="1800" dirty="0">
+                <a:solidFill>
+                  <a:srgbClr val="008000"/>
+                </a:solidFill>
+                <a:latin typeface="돋움체" panose="020B0609000101010101" pitchFamily="49" charset="-127"/>
+                <a:ea typeface="돋움체" panose="020B0609000101010101" pitchFamily="49" charset="-127"/>
+              </a:rPr>
+              <a:t>/// &lt;summary&gt;</a:t>
+            </a:r>
+            <a:endParaRPr lang="en-US" altLang="ko-KR" sz="1800" dirty="0">
+              <a:solidFill>
+                <a:srgbClr val="000000"/>
+              </a:solidFill>
+              <a:latin typeface="돋움체" panose="020B0609000101010101" pitchFamily="49" charset="-127"/>
+              <a:ea typeface="돋움체" panose="020B0609000101010101" pitchFamily="49" charset="-127"/>
+            </a:endParaRPr>
+          </a:p>
+          <a:p>
+            <a:r>
+              <a:rPr lang="en-US" altLang="ko-KR" sz="1800" dirty="0">
+                <a:solidFill>
+                  <a:srgbClr val="000000"/>
+                </a:solidFill>
+                <a:latin typeface="돋움체" panose="020B0609000101010101" pitchFamily="49" charset="-127"/>
+                <a:ea typeface="돋움체" panose="020B0609000101010101" pitchFamily="49" charset="-127"/>
+              </a:rPr>
+              <a:t>        </a:t>
+            </a:r>
+            <a:r>
+              <a:rPr lang="en-US" altLang="ko-KR" sz="1800" dirty="0">
+                <a:solidFill>
+                  <a:srgbClr val="008000"/>
+                </a:solidFill>
+                <a:latin typeface="돋움체" panose="020B0609000101010101" pitchFamily="49" charset="-127"/>
+                <a:ea typeface="돋움체" panose="020B0609000101010101" pitchFamily="49" charset="-127"/>
+              </a:rPr>
+              <a:t>/// Defines the type of distribution used when generating the probability weights for the item </a:t>
+            </a:r>
+            <a:r>
+              <a:rPr lang="en-US" altLang="ko-KR" sz="1800" dirty="0" err="1">
+                <a:solidFill>
+                  <a:srgbClr val="008000"/>
+                </a:solidFill>
+                <a:latin typeface="돋움체" panose="020B0609000101010101" pitchFamily="49" charset="-127"/>
+                <a:ea typeface="돋움체" panose="020B0609000101010101" pitchFamily="49" charset="-127"/>
+              </a:rPr>
+              <a:t>descritptions</a:t>
+            </a:r>
+            <a:r>
+              <a:rPr lang="en-US" altLang="ko-KR" sz="1800" dirty="0">
+                <a:solidFill>
+                  <a:srgbClr val="008000"/>
+                </a:solidFill>
+                <a:latin typeface="돋움체" panose="020B0609000101010101" pitchFamily="49" charset="-127"/>
+                <a:ea typeface="돋움체" panose="020B0609000101010101" pitchFamily="49" charset="-127"/>
+              </a:rPr>
+              <a:t>.</a:t>
+            </a:r>
+            <a:endParaRPr lang="en-US" altLang="ko-KR" sz="1800" dirty="0">
+              <a:solidFill>
+                <a:srgbClr val="000000"/>
+              </a:solidFill>
+              <a:latin typeface="돋움체" panose="020B0609000101010101" pitchFamily="49" charset="-127"/>
+              <a:ea typeface="돋움체" panose="020B0609000101010101" pitchFamily="49" charset="-127"/>
+            </a:endParaRPr>
+          </a:p>
+          <a:p>
+            <a:r>
+              <a:rPr lang="en-US" altLang="ko-KR" sz="1800" dirty="0">
+                <a:solidFill>
+                  <a:srgbClr val="000000"/>
+                </a:solidFill>
+                <a:latin typeface="돋움체" panose="020B0609000101010101" pitchFamily="49" charset="-127"/>
+                <a:ea typeface="돋움체" panose="020B0609000101010101" pitchFamily="49" charset="-127"/>
+              </a:rPr>
+              <a:t>        </a:t>
+            </a:r>
+            <a:r>
+              <a:rPr lang="en-US" altLang="ko-KR" sz="1800" dirty="0">
+                <a:solidFill>
+                  <a:srgbClr val="008000"/>
+                </a:solidFill>
+                <a:latin typeface="돋움체" panose="020B0609000101010101" pitchFamily="49" charset="-127"/>
+                <a:ea typeface="돋움체" panose="020B0609000101010101" pitchFamily="49" charset="-127"/>
+              </a:rPr>
+              <a:t>/// &lt;/summary&gt;</a:t>
+            </a:r>
+            <a:endParaRPr lang="en-US" altLang="ko-KR" sz="1800" dirty="0">
+              <a:solidFill>
+                <a:srgbClr val="000000"/>
+              </a:solidFill>
+              <a:latin typeface="돋움체" panose="020B0609000101010101" pitchFamily="49" charset="-127"/>
+              <a:ea typeface="돋움체" panose="020B0609000101010101" pitchFamily="49" charset="-127"/>
+            </a:endParaRPr>
+          </a:p>
+          <a:p>
+            <a:r>
+              <a:rPr lang="en-US" altLang="ko-KR" sz="1800" dirty="0">
+                <a:solidFill>
+                  <a:srgbClr val="000000"/>
+                </a:solidFill>
+                <a:latin typeface="돋움체" panose="020B0609000101010101" pitchFamily="49" charset="-127"/>
+                <a:ea typeface="돋움체" panose="020B0609000101010101" pitchFamily="49" charset="-127"/>
+              </a:rPr>
+              <a:t>        </a:t>
+            </a:r>
+            <a:r>
+              <a:rPr lang="en-US" altLang="ko-KR" sz="1800" dirty="0">
+                <a:solidFill>
+                  <a:srgbClr val="0000FF"/>
+                </a:solidFill>
+                <a:latin typeface="돋움체" panose="020B0609000101010101" pitchFamily="49" charset="-127"/>
+                <a:ea typeface="돋움체" panose="020B0609000101010101" pitchFamily="49" charset="-127"/>
+              </a:rPr>
+              <a:t>public</a:t>
+            </a:r>
+            <a:r>
+              <a:rPr lang="en-US" altLang="ko-KR" sz="1800" dirty="0">
+                <a:solidFill>
+                  <a:srgbClr val="000000"/>
+                </a:solidFill>
+                <a:latin typeface="돋움체" panose="020B0609000101010101" pitchFamily="49" charset="-127"/>
+                <a:ea typeface="돋움체" panose="020B0609000101010101" pitchFamily="49" charset="-127"/>
+              </a:rPr>
+              <a:t> </a:t>
+            </a:r>
+            <a:r>
+              <a:rPr lang="en-US" altLang="ko-KR" sz="1800" dirty="0" err="1">
+                <a:solidFill>
+                  <a:srgbClr val="0000FF"/>
+                </a:solidFill>
+                <a:latin typeface="돋움체" panose="020B0609000101010101" pitchFamily="49" charset="-127"/>
+                <a:ea typeface="돋움체" panose="020B0609000101010101" pitchFamily="49" charset="-127"/>
+              </a:rPr>
+              <a:t>enum</a:t>
+            </a:r>
+            <a:r>
+              <a:rPr lang="en-US" altLang="ko-KR" sz="1800" dirty="0">
+                <a:solidFill>
+                  <a:srgbClr val="000000"/>
+                </a:solidFill>
+                <a:latin typeface="돋움체" panose="020B0609000101010101" pitchFamily="49" charset="-127"/>
+                <a:ea typeface="돋움체" panose="020B0609000101010101" pitchFamily="49" charset="-127"/>
+              </a:rPr>
+              <a:t> </a:t>
+            </a:r>
+            <a:r>
+              <a:rPr lang="en-US" altLang="ko-KR" sz="1800" dirty="0" err="1">
+                <a:solidFill>
+                  <a:srgbClr val="2B91AF"/>
+                </a:solidFill>
+                <a:latin typeface="돋움체" panose="020B0609000101010101" pitchFamily="49" charset="-127"/>
+                <a:ea typeface="돋움체" panose="020B0609000101010101" pitchFamily="49" charset="-127"/>
+              </a:rPr>
+              <a:t>ItemDescriptionProbability</a:t>
+            </a:r>
+            <a:r>
+              <a:rPr lang="en-US" altLang="ko-KR" sz="1800" dirty="0">
+                <a:solidFill>
+                  <a:srgbClr val="2B91AF"/>
+                </a:solidFill>
+                <a:latin typeface="돋움체" panose="020B0609000101010101" pitchFamily="49" charset="-127"/>
+                <a:ea typeface="돋움체" panose="020B0609000101010101" pitchFamily="49" charset="-127"/>
+              </a:rPr>
+              <a:t> Weight </a:t>
+            </a:r>
+            <a:r>
+              <a:rPr lang="en-US" altLang="ko-KR" sz="1800" dirty="0" err="1">
+                <a:solidFill>
+                  <a:srgbClr val="2B91AF"/>
+                </a:solidFill>
+                <a:latin typeface="돋움체" panose="020B0609000101010101" pitchFamily="49" charset="-127"/>
+                <a:ea typeface="돋움체" panose="020B0609000101010101" pitchFamily="49" charset="-127"/>
+              </a:rPr>
+              <a:t>DistributionType</a:t>
+            </a:r>
+            <a:endParaRPr lang="en-US" altLang="ko-KR" sz="1800" dirty="0">
+              <a:solidFill>
+                <a:srgbClr val="2B91AF"/>
+              </a:solidFill>
+              <a:latin typeface="돋움체" panose="020B0609000101010101" pitchFamily="49" charset="-127"/>
+              <a:ea typeface="돋움체" panose="020B0609000101010101" pitchFamily="49" charset="-127"/>
+            </a:endParaRPr>
+          </a:p>
+          <a:p>
+            <a:r>
+              <a:rPr lang="en-US" altLang="ko-KR" sz="1800" dirty="0">
+                <a:solidFill>
+                  <a:srgbClr val="008000"/>
+                </a:solidFill>
+                <a:latin typeface="돋움체" panose="020B0609000101010101" pitchFamily="49" charset="-127"/>
+                <a:ea typeface="돋움체" panose="020B0609000101010101" pitchFamily="49" charset="-127"/>
+              </a:rPr>
+              <a:t>/// &lt;summary&gt;</a:t>
+            </a:r>
+            <a:endParaRPr lang="en-US" altLang="ko-KR" sz="1800" dirty="0">
+              <a:solidFill>
+                <a:srgbClr val="000000"/>
+              </a:solidFill>
+              <a:latin typeface="돋움체" panose="020B0609000101010101" pitchFamily="49" charset="-127"/>
+              <a:ea typeface="돋움체" panose="020B0609000101010101" pitchFamily="49" charset="-127"/>
+            </a:endParaRPr>
+          </a:p>
+          <a:p>
+            <a:r>
+              <a:rPr lang="en-US" altLang="ko-KR" sz="1800" dirty="0">
+                <a:solidFill>
+                  <a:srgbClr val="000000"/>
+                </a:solidFill>
+                <a:latin typeface="돋움체" panose="020B0609000101010101" pitchFamily="49" charset="-127"/>
+                <a:ea typeface="돋움체" panose="020B0609000101010101" pitchFamily="49" charset="-127"/>
+              </a:rPr>
+              <a:t>        </a:t>
+            </a:r>
+            <a:r>
+              <a:rPr lang="en-US" altLang="ko-KR" sz="1800" dirty="0">
+                <a:solidFill>
+                  <a:srgbClr val="008000"/>
+                </a:solidFill>
+                <a:latin typeface="돋움체" panose="020B0609000101010101" pitchFamily="49" charset="-127"/>
+                <a:ea typeface="돋움체" panose="020B0609000101010101" pitchFamily="49" charset="-127"/>
+              </a:rPr>
+              <a:t>/// Defines the type of distribution used when generating the weights for the item descriptions.</a:t>
+            </a:r>
+            <a:endParaRPr lang="en-US" altLang="ko-KR" sz="1800" dirty="0">
+              <a:solidFill>
+                <a:srgbClr val="000000"/>
+              </a:solidFill>
+              <a:latin typeface="돋움체" panose="020B0609000101010101" pitchFamily="49" charset="-127"/>
+              <a:ea typeface="돋움체" panose="020B0609000101010101" pitchFamily="49" charset="-127"/>
+            </a:endParaRPr>
+          </a:p>
+          <a:p>
+            <a:r>
+              <a:rPr lang="en-US" altLang="ko-KR" sz="1800" dirty="0">
+                <a:solidFill>
+                  <a:srgbClr val="000000"/>
+                </a:solidFill>
+                <a:latin typeface="돋움체" panose="020B0609000101010101" pitchFamily="49" charset="-127"/>
+                <a:ea typeface="돋움체" panose="020B0609000101010101" pitchFamily="49" charset="-127"/>
+              </a:rPr>
+              <a:t>        </a:t>
+            </a:r>
+            <a:r>
+              <a:rPr lang="en-US" altLang="ko-KR" sz="1800" dirty="0">
+                <a:solidFill>
+                  <a:srgbClr val="008000"/>
+                </a:solidFill>
+                <a:latin typeface="돋움체" panose="020B0609000101010101" pitchFamily="49" charset="-127"/>
+                <a:ea typeface="돋움체" panose="020B0609000101010101" pitchFamily="49" charset="-127"/>
+              </a:rPr>
+              <a:t>/// &lt;/summary&gt;</a:t>
+            </a:r>
+            <a:endParaRPr lang="en-US" altLang="ko-KR" sz="1800" dirty="0">
+              <a:solidFill>
+                <a:srgbClr val="000000"/>
+              </a:solidFill>
+              <a:latin typeface="돋움체" panose="020B0609000101010101" pitchFamily="49" charset="-127"/>
+              <a:ea typeface="돋움체" panose="020B0609000101010101" pitchFamily="49" charset="-127"/>
+            </a:endParaRPr>
+          </a:p>
+          <a:p>
+            <a:r>
+              <a:rPr lang="en-US" altLang="ko-KR" sz="1800" dirty="0">
+                <a:solidFill>
+                  <a:srgbClr val="000000"/>
+                </a:solidFill>
+                <a:latin typeface="돋움체" panose="020B0609000101010101" pitchFamily="49" charset="-127"/>
+                <a:ea typeface="돋움체" panose="020B0609000101010101" pitchFamily="49" charset="-127"/>
+              </a:rPr>
+              <a:t>        </a:t>
+            </a:r>
+            <a:r>
+              <a:rPr lang="en-US" altLang="ko-KR" sz="1800" dirty="0">
+                <a:solidFill>
+                  <a:srgbClr val="0000FF"/>
+                </a:solidFill>
+                <a:latin typeface="돋움체" panose="020B0609000101010101" pitchFamily="49" charset="-127"/>
+                <a:ea typeface="돋움체" panose="020B0609000101010101" pitchFamily="49" charset="-127"/>
+              </a:rPr>
+              <a:t>public</a:t>
+            </a:r>
+            <a:r>
+              <a:rPr lang="en-US" altLang="ko-KR" sz="1800" dirty="0">
+                <a:solidFill>
+                  <a:srgbClr val="000000"/>
+                </a:solidFill>
+                <a:latin typeface="돋움체" panose="020B0609000101010101" pitchFamily="49" charset="-127"/>
+                <a:ea typeface="돋움체" panose="020B0609000101010101" pitchFamily="49" charset="-127"/>
+              </a:rPr>
+              <a:t> </a:t>
+            </a:r>
+            <a:r>
+              <a:rPr lang="en-US" altLang="ko-KR" sz="1800" dirty="0" err="1">
+                <a:solidFill>
+                  <a:srgbClr val="0000FF"/>
+                </a:solidFill>
+                <a:latin typeface="돋움체" panose="020B0609000101010101" pitchFamily="49" charset="-127"/>
+                <a:ea typeface="돋움체" panose="020B0609000101010101" pitchFamily="49" charset="-127"/>
+              </a:rPr>
+              <a:t>enum</a:t>
+            </a:r>
+            <a:r>
+              <a:rPr lang="en-US" altLang="ko-KR" sz="1800" dirty="0">
+                <a:solidFill>
+                  <a:srgbClr val="000000"/>
+                </a:solidFill>
+                <a:latin typeface="돋움체" panose="020B0609000101010101" pitchFamily="49" charset="-127"/>
+                <a:ea typeface="돋움체" panose="020B0609000101010101" pitchFamily="49" charset="-127"/>
+              </a:rPr>
+              <a:t> </a:t>
+            </a:r>
+            <a:r>
+              <a:rPr lang="en-US" altLang="ko-KR" sz="1800" dirty="0" err="1">
+                <a:solidFill>
+                  <a:srgbClr val="2B91AF"/>
+                </a:solidFill>
+                <a:latin typeface="돋움체" panose="020B0609000101010101" pitchFamily="49" charset="-127"/>
+                <a:ea typeface="돋움체" panose="020B0609000101010101" pitchFamily="49" charset="-127"/>
+              </a:rPr>
+              <a:t>ItemDescriptionWeight</a:t>
+            </a:r>
+            <a:r>
+              <a:rPr lang="en-US" altLang="ko-KR" sz="1800" dirty="0">
+                <a:solidFill>
+                  <a:srgbClr val="2B91AF"/>
+                </a:solidFill>
+                <a:latin typeface="돋움체" panose="020B0609000101010101" pitchFamily="49" charset="-127"/>
+                <a:ea typeface="돋움체" panose="020B0609000101010101" pitchFamily="49" charset="-127"/>
+              </a:rPr>
+              <a:t> </a:t>
+            </a:r>
+            <a:r>
+              <a:rPr lang="en-US" altLang="ko-KR" sz="1800" dirty="0" err="1">
+                <a:solidFill>
+                  <a:srgbClr val="2B91AF"/>
+                </a:solidFill>
+                <a:latin typeface="돋움체" panose="020B0609000101010101" pitchFamily="49" charset="-127"/>
+                <a:ea typeface="돋움체" panose="020B0609000101010101" pitchFamily="49" charset="-127"/>
+              </a:rPr>
+              <a:t>DistributionType</a:t>
+            </a:r>
+            <a:endParaRPr lang="en-US" altLang="ko-KR" sz="1800" dirty="0">
+              <a:solidFill>
+                <a:srgbClr val="2B91AF"/>
+              </a:solidFill>
+              <a:latin typeface="돋움체" panose="020B0609000101010101" pitchFamily="49" charset="-127"/>
+              <a:ea typeface="돋움체" panose="020B0609000101010101" pitchFamily="49" charset="-127"/>
+            </a:endParaRPr>
+          </a:p>
+          <a:p>
+            <a:r>
+              <a:rPr lang="en-US" altLang="ko-KR" sz="1800" dirty="0">
+                <a:solidFill>
+                  <a:srgbClr val="008000"/>
+                </a:solidFill>
+                <a:latin typeface="돋움체" panose="020B0609000101010101" pitchFamily="49" charset="-127"/>
+                <a:ea typeface="돋움체" panose="020B0609000101010101" pitchFamily="49" charset="-127"/>
+              </a:rPr>
+              <a:t>/// &lt;summary&gt;</a:t>
+            </a:r>
+            <a:endParaRPr lang="en-US" altLang="ko-KR" sz="1800" dirty="0">
+              <a:solidFill>
+                <a:srgbClr val="000000"/>
+              </a:solidFill>
+              <a:latin typeface="돋움체" panose="020B0609000101010101" pitchFamily="49" charset="-127"/>
+              <a:ea typeface="돋움체" panose="020B0609000101010101" pitchFamily="49" charset="-127"/>
+            </a:endParaRPr>
+          </a:p>
+          <a:p>
+            <a:r>
+              <a:rPr lang="en-US" altLang="ko-KR" sz="1800" dirty="0">
+                <a:solidFill>
+                  <a:srgbClr val="000000"/>
+                </a:solidFill>
+                <a:latin typeface="돋움체" panose="020B0609000101010101" pitchFamily="49" charset="-127"/>
+                <a:ea typeface="돋움체" panose="020B0609000101010101" pitchFamily="49" charset="-127"/>
+              </a:rPr>
+              <a:t>        </a:t>
+            </a:r>
+            <a:r>
+              <a:rPr lang="en-US" altLang="ko-KR" sz="1800" dirty="0">
+                <a:solidFill>
+                  <a:srgbClr val="008000"/>
+                </a:solidFill>
+                <a:latin typeface="돋움체" panose="020B0609000101010101" pitchFamily="49" charset="-127"/>
+                <a:ea typeface="돋움체" panose="020B0609000101010101" pitchFamily="49" charset="-127"/>
+              </a:rPr>
+              <a:t>/// Defines the type of distribution used when generating the bundle size for the item descriptions.</a:t>
+            </a:r>
+            <a:endParaRPr lang="en-US" altLang="ko-KR" sz="1800" dirty="0">
+              <a:solidFill>
+                <a:srgbClr val="000000"/>
+              </a:solidFill>
+              <a:latin typeface="돋움체" panose="020B0609000101010101" pitchFamily="49" charset="-127"/>
+              <a:ea typeface="돋움체" panose="020B0609000101010101" pitchFamily="49" charset="-127"/>
+            </a:endParaRPr>
+          </a:p>
+          <a:p>
+            <a:r>
+              <a:rPr lang="en-US" altLang="ko-KR" sz="1800" dirty="0">
+                <a:solidFill>
+                  <a:srgbClr val="000000"/>
+                </a:solidFill>
+                <a:latin typeface="돋움체" panose="020B0609000101010101" pitchFamily="49" charset="-127"/>
+                <a:ea typeface="돋움체" panose="020B0609000101010101" pitchFamily="49" charset="-127"/>
+              </a:rPr>
+              <a:t>        </a:t>
+            </a:r>
+            <a:r>
+              <a:rPr lang="en-US" altLang="ko-KR" sz="1800" dirty="0">
+                <a:solidFill>
+                  <a:srgbClr val="008000"/>
+                </a:solidFill>
+                <a:latin typeface="돋움체" panose="020B0609000101010101" pitchFamily="49" charset="-127"/>
+                <a:ea typeface="돋움체" panose="020B0609000101010101" pitchFamily="49" charset="-127"/>
+              </a:rPr>
+              <a:t>/// &lt;/summary&gt;</a:t>
+            </a:r>
+            <a:endParaRPr lang="en-US" altLang="ko-KR" sz="1800" dirty="0">
+              <a:solidFill>
+                <a:srgbClr val="000000"/>
+              </a:solidFill>
+              <a:latin typeface="돋움체" panose="020B0609000101010101" pitchFamily="49" charset="-127"/>
+              <a:ea typeface="돋움체" panose="020B0609000101010101" pitchFamily="49" charset="-127"/>
+            </a:endParaRPr>
+          </a:p>
+          <a:p>
+            <a:r>
+              <a:rPr lang="en-US" altLang="ko-KR" sz="1800" dirty="0">
+                <a:solidFill>
+                  <a:srgbClr val="000000"/>
+                </a:solidFill>
+                <a:latin typeface="돋움체" panose="020B0609000101010101" pitchFamily="49" charset="-127"/>
+                <a:ea typeface="돋움체" panose="020B0609000101010101" pitchFamily="49" charset="-127"/>
+              </a:rPr>
+              <a:t>        </a:t>
+            </a:r>
+            <a:r>
+              <a:rPr lang="en-US" altLang="ko-KR" sz="1800" dirty="0">
+                <a:solidFill>
+                  <a:srgbClr val="0000FF"/>
+                </a:solidFill>
+                <a:latin typeface="돋움체" panose="020B0609000101010101" pitchFamily="49" charset="-127"/>
+                <a:ea typeface="돋움체" panose="020B0609000101010101" pitchFamily="49" charset="-127"/>
+              </a:rPr>
+              <a:t>public</a:t>
+            </a:r>
+            <a:r>
+              <a:rPr lang="en-US" altLang="ko-KR" sz="1800" dirty="0">
+                <a:solidFill>
+                  <a:srgbClr val="000000"/>
+                </a:solidFill>
+                <a:latin typeface="돋움체" panose="020B0609000101010101" pitchFamily="49" charset="-127"/>
+                <a:ea typeface="돋움체" panose="020B0609000101010101" pitchFamily="49" charset="-127"/>
+              </a:rPr>
+              <a:t> </a:t>
+            </a:r>
+            <a:r>
+              <a:rPr lang="en-US" altLang="ko-KR" sz="1800" dirty="0" err="1">
+                <a:solidFill>
+                  <a:srgbClr val="0000FF"/>
+                </a:solidFill>
+                <a:latin typeface="돋움체" panose="020B0609000101010101" pitchFamily="49" charset="-127"/>
+                <a:ea typeface="돋움체" panose="020B0609000101010101" pitchFamily="49" charset="-127"/>
+              </a:rPr>
+              <a:t>enum</a:t>
+            </a:r>
+            <a:r>
+              <a:rPr lang="en-US" altLang="ko-KR" sz="1800" dirty="0">
+                <a:solidFill>
+                  <a:srgbClr val="000000"/>
+                </a:solidFill>
+                <a:latin typeface="돋움체" panose="020B0609000101010101" pitchFamily="49" charset="-127"/>
+                <a:ea typeface="돋움체" panose="020B0609000101010101" pitchFamily="49" charset="-127"/>
+              </a:rPr>
+              <a:t> </a:t>
+            </a:r>
+            <a:r>
+              <a:rPr lang="en-US" altLang="ko-KR" sz="1800" dirty="0" err="1">
+                <a:solidFill>
+                  <a:srgbClr val="2B91AF"/>
+                </a:solidFill>
+                <a:latin typeface="돋움체" panose="020B0609000101010101" pitchFamily="49" charset="-127"/>
+                <a:ea typeface="돋움체" panose="020B0609000101010101" pitchFamily="49" charset="-127"/>
+              </a:rPr>
+              <a:t>ItemDescription</a:t>
+            </a:r>
+            <a:r>
+              <a:rPr lang="en-US" altLang="ko-KR" sz="1800" dirty="0">
+                <a:solidFill>
+                  <a:srgbClr val="2B91AF"/>
+                </a:solidFill>
+                <a:latin typeface="돋움체" panose="020B0609000101010101" pitchFamily="49" charset="-127"/>
+                <a:ea typeface="돋움체" panose="020B0609000101010101" pitchFamily="49" charset="-127"/>
+              </a:rPr>
+              <a:t> </a:t>
+            </a:r>
+            <a:r>
+              <a:rPr lang="en-US" altLang="ko-KR" sz="1800" dirty="0" err="1">
+                <a:solidFill>
+                  <a:srgbClr val="2B91AF"/>
+                </a:solidFill>
+                <a:latin typeface="돋움체" panose="020B0609000101010101" pitchFamily="49" charset="-127"/>
+                <a:ea typeface="돋움체" panose="020B0609000101010101" pitchFamily="49" charset="-127"/>
+              </a:rPr>
+              <a:t>BundleSize</a:t>
+            </a:r>
+            <a:r>
+              <a:rPr lang="en-US" altLang="ko-KR" sz="1800" dirty="0">
+                <a:solidFill>
+                  <a:srgbClr val="2B91AF"/>
+                </a:solidFill>
+                <a:latin typeface="돋움체" panose="020B0609000101010101" pitchFamily="49" charset="-127"/>
+                <a:ea typeface="돋움체" panose="020B0609000101010101" pitchFamily="49" charset="-127"/>
+              </a:rPr>
+              <a:t> </a:t>
+            </a:r>
+            <a:r>
+              <a:rPr lang="en-US" altLang="ko-KR" sz="1800" dirty="0" err="1">
+                <a:solidFill>
+                  <a:srgbClr val="2B91AF"/>
+                </a:solidFill>
+                <a:latin typeface="돋움체" panose="020B0609000101010101" pitchFamily="49" charset="-127"/>
+                <a:ea typeface="돋움체" panose="020B0609000101010101" pitchFamily="49" charset="-127"/>
+              </a:rPr>
+              <a:t>DistributionType</a:t>
+            </a:r>
+            <a:endParaRPr lang="en-US" altLang="ko-KR" sz="1800" dirty="0">
+              <a:solidFill>
+                <a:srgbClr val="2B91AF"/>
+              </a:solidFill>
+              <a:latin typeface="돋움체" panose="020B0609000101010101" pitchFamily="49" charset="-127"/>
+              <a:ea typeface="돋움체" panose="020B0609000101010101" pitchFamily="49" charset="-127"/>
+            </a:endParaRPr>
+          </a:p>
+          <a:p>
+            <a:endParaRPr lang="ko-KR" altLang="en-US" dirty="0"/>
+          </a:p>
+        </p:txBody>
+      </p:sp>
+    </p:spTree>
+    <p:extLst>
+      <p:ext uri="{BB962C8B-B14F-4D97-AF65-F5344CB8AC3E}">
+        <p14:creationId xmlns:p14="http://schemas.microsoft.com/office/powerpoint/2010/main" val="3377060754"/>
+      </p:ext>
+    </p:extLst>
+  </p:cSld>
+  <p:clrMapOvr>
+    <a:masterClrMapping/>
+  </p:clrMapOvr>
+</p:sld>
+</file>
+
+<file path=ppt/slides/slide13.xml><?xml version="1.0" encoding="utf-8"?>
+<p:sld xmlns:a="http://schemas.openxmlformats.org/drawingml/2006/main" xmlns:r="http://schemas.openxmlformats.org/officeDocument/2006/relationships" xmlns:p="http://schemas.openxmlformats.org/presentationml/2006/main">
+  <p:cSld>
+    <p:spTree>
+      <p:nvGrpSpPr>
+        <p:cNvPr id="1" name=""/>
+        <p:cNvGrpSpPr/>
+        <p:nvPr/>
+      </p:nvGrpSpPr>
+      <p:grpSpPr>
+        <a:xfrm>
+          <a:off x="0" y="0"/>
+          <a:ext cx="0" cy="0"/>
+          <a:chOff x="0" y="0"/>
+          <a:chExt cx="0" cy="0"/>
+        </a:xfrm>
+      </p:grpSpPr>
+      <p:sp>
+        <p:nvSpPr>
+          <p:cNvPr id="2" name="제목 1">
+            <a:extLst>
+              <a:ext uri="{FF2B5EF4-FFF2-40B4-BE49-F238E27FC236}">
+                <a16:creationId xmlns:a16="http://schemas.microsoft.com/office/drawing/2014/main" id="{27DAD25D-E81C-467D-94F5-B01B9701659B}"/>
+              </a:ext>
+            </a:extLst>
+          </p:cNvPr>
+          <p:cNvSpPr>
+            <a:spLocks noGrp="1"/>
+          </p:cNvSpPr>
+          <p:nvPr>
+            <p:ph type="title"/>
+          </p:nvPr>
+        </p:nvSpPr>
+        <p:spPr/>
+        <p:txBody>
+          <a:bodyPr/>
+          <a:lstStyle/>
+          <a:p>
+            <a:endParaRPr lang="ko-KR" altLang="en-US"/>
+          </a:p>
+        </p:txBody>
+      </p:sp>
+      <p:sp>
+        <p:nvSpPr>
+          <p:cNvPr id="3" name="내용 개체 틀 2">
+            <a:extLst>
+              <a:ext uri="{FF2B5EF4-FFF2-40B4-BE49-F238E27FC236}">
+                <a16:creationId xmlns:a16="http://schemas.microsoft.com/office/drawing/2014/main" id="{6DC6E948-0A64-49DC-BC1C-D6D7155394E4}"/>
+              </a:ext>
+            </a:extLst>
+          </p:cNvPr>
+          <p:cNvSpPr>
+            <a:spLocks noGrp="1"/>
+          </p:cNvSpPr>
+          <p:nvPr>
+            <p:ph idx="1"/>
+          </p:nvPr>
+        </p:nvSpPr>
+        <p:spPr/>
+        <p:txBody>
+          <a:bodyPr>
+            <a:normAutofit fontScale="70000" lnSpcReduction="20000"/>
+          </a:bodyPr>
+          <a:lstStyle/>
+          <a:p>
+            <a:r>
+              <a:rPr lang="en-US" altLang="ko-KR" sz="2800" dirty="0">
+                <a:solidFill>
+                  <a:srgbClr val="008000"/>
+                </a:solidFill>
+                <a:latin typeface="돋움체" panose="020B0609000101010101" pitchFamily="49" charset="-127"/>
+                <a:ea typeface="돋움체" panose="020B0609000101010101" pitchFamily="49" charset="-127"/>
+              </a:rPr>
+              <a:t>/// &lt;summary&gt;</a:t>
+            </a:r>
+            <a:endParaRPr lang="en-US" altLang="ko-KR" sz="2800" dirty="0">
+              <a:solidFill>
+                <a:srgbClr val="000000"/>
+              </a:solidFill>
+              <a:latin typeface="돋움체" panose="020B0609000101010101" pitchFamily="49" charset="-127"/>
+              <a:ea typeface="돋움체" panose="020B0609000101010101" pitchFamily="49" charset="-127"/>
+            </a:endParaRPr>
+          </a:p>
+          <a:p>
+            <a:r>
+              <a:rPr lang="en-US" altLang="ko-KR" sz="2800" dirty="0">
+                <a:solidFill>
+                  <a:srgbClr val="000000"/>
+                </a:solidFill>
+                <a:latin typeface="돋움체" panose="020B0609000101010101" pitchFamily="49" charset="-127"/>
+                <a:ea typeface="돋움체" panose="020B0609000101010101" pitchFamily="49" charset="-127"/>
+              </a:rPr>
+              <a:t>        </a:t>
+            </a:r>
+            <a:r>
+              <a:rPr lang="en-US" altLang="ko-KR" sz="2800" dirty="0">
+                <a:solidFill>
+                  <a:srgbClr val="008000"/>
+                </a:solidFill>
+                <a:latin typeface="돋움체" panose="020B0609000101010101" pitchFamily="49" charset="-127"/>
+                <a:ea typeface="돋움체" panose="020B0609000101010101" pitchFamily="49" charset="-127"/>
+              </a:rPr>
+              <a:t>/// A class supplying basic parameters for online generation of simple items.</a:t>
+            </a:r>
+            <a:endParaRPr lang="en-US" altLang="ko-KR" sz="2800" dirty="0">
+              <a:solidFill>
+                <a:srgbClr val="000000"/>
+              </a:solidFill>
+              <a:latin typeface="돋움체" panose="020B0609000101010101" pitchFamily="49" charset="-127"/>
+              <a:ea typeface="돋움체" panose="020B0609000101010101" pitchFamily="49" charset="-127"/>
+            </a:endParaRPr>
+          </a:p>
+          <a:p>
+            <a:r>
+              <a:rPr lang="en-US" altLang="ko-KR" sz="2800" dirty="0">
+                <a:solidFill>
+                  <a:srgbClr val="000000"/>
+                </a:solidFill>
+                <a:latin typeface="돋움체" panose="020B0609000101010101" pitchFamily="49" charset="-127"/>
+                <a:ea typeface="돋움체" panose="020B0609000101010101" pitchFamily="49" charset="-127"/>
+              </a:rPr>
+              <a:t>        </a:t>
+            </a:r>
+            <a:r>
+              <a:rPr lang="en-US" altLang="ko-KR" sz="2800" dirty="0">
+                <a:solidFill>
+                  <a:srgbClr val="008000"/>
+                </a:solidFill>
+                <a:latin typeface="돋움체" panose="020B0609000101010101" pitchFamily="49" charset="-127"/>
+                <a:ea typeface="돋움체" panose="020B0609000101010101" pitchFamily="49" charset="-127"/>
+              </a:rPr>
+              <a:t>/// &lt;/summary&gt;</a:t>
+            </a:r>
+            <a:endParaRPr lang="en-US" altLang="ko-KR" sz="2800" dirty="0">
+              <a:solidFill>
+                <a:srgbClr val="000000"/>
+              </a:solidFill>
+              <a:latin typeface="돋움체" panose="020B0609000101010101" pitchFamily="49" charset="-127"/>
+              <a:ea typeface="돋움체" panose="020B0609000101010101" pitchFamily="49" charset="-127"/>
+            </a:endParaRPr>
+          </a:p>
+          <a:p>
+            <a:r>
+              <a:rPr lang="en-US" altLang="ko-KR" sz="2800" dirty="0">
+                <a:solidFill>
+                  <a:srgbClr val="000000"/>
+                </a:solidFill>
+                <a:latin typeface="돋움체" panose="020B0609000101010101" pitchFamily="49" charset="-127"/>
+                <a:ea typeface="돋움체" panose="020B0609000101010101" pitchFamily="49" charset="-127"/>
+              </a:rPr>
+              <a:t>        </a:t>
+            </a:r>
+            <a:r>
+              <a:rPr lang="en-US" altLang="ko-KR" sz="2800" dirty="0">
+                <a:solidFill>
+                  <a:srgbClr val="0000FF"/>
+                </a:solidFill>
+                <a:latin typeface="돋움체" panose="020B0609000101010101" pitchFamily="49" charset="-127"/>
+                <a:ea typeface="돋움체" panose="020B0609000101010101" pitchFamily="49" charset="-127"/>
+              </a:rPr>
+              <a:t>public</a:t>
+            </a:r>
+            <a:r>
+              <a:rPr lang="en-US" altLang="ko-KR" sz="2800" dirty="0">
+                <a:solidFill>
+                  <a:srgbClr val="000000"/>
+                </a:solidFill>
+                <a:latin typeface="돋움체" panose="020B0609000101010101" pitchFamily="49" charset="-127"/>
+                <a:ea typeface="돋움체" panose="020B0609000101010101" pitchFamily="49" charset="-127"/>
+              </a:rPr>
+              <a:t> </a:t>
+            </a:r>
+            <a:r>
+              <a:rPr lang="en-US" altLang="ko-KR" sz="2800" dirty="0">
+                <a:solidFill>
+                  <a:srgbClr val="0000FF"/>
+                </a:solidFill>
+                <a:latin typeface="돋움체" panose="020B0609000101010101" pitchFamily="49" charset="-127"/>
+                <a:ea typeface="돋움체" panose="020B0609000101010101" pitchFamily="49" charset="-127"/>
+              </a:rPr>
+              <a:t>class</a:t>
+            </a:r>
+            <a:r>
+              <a:rPr lang="en-US" altLang="ko-KR" sz="2800" dirty="0">
+                <a:solidFill>
+                  <a:srgbClr val="000000"/>
+                </a:solidFill>
+                <a:latin typeface="돋움체" panose="020B0609000101010101" pitchFamily="49" charset="-127"/>
+                <a:ea typeface="돋움체" panose="020B0609000101010101" pitchFamily="49" charset="-127"/>
+              </a:rPr>
+              <a:t> </a:t>
+            </a:r>
+            <a:r>
+              <a:rPr lang="en-US" altLang="ko-KR" sz="2800" dirty="0" err="1">
+                <a:solidFill>
+                  <a:srgbClr val="2B91AF"/>
+                </a:solidFill>
+                <a:latin typeface="돋움체" panose="020B0609000101010101" pitchFamily="49" charset="-127"/>
+                <a:ea typeface="돋움체" panose="020B0609000101010101" pitchFamily="49" charset="-127"/>
+              </a:rPr>
+              <a:t>SimpleItemGeneratorPreConfiguration</a:t>
+            </a:r>
+            <a:endParaRPr lang="en-US" altLang="ko-KR" sz="2800" dirty="0">
+              <a:solidFill>
+                <a:srgbClr val="008000"/>
+              </a:solidFill>
+              <a:latin typeface="돋움체" panose="020B0609000101010101" pitchFamily="49" charset="-127"/>
+              <a:ea typeface="돋움체" panose="020B0609000101010101" pitchFamily="49" charset="-127"/>
+            </a:endParaRPr>
+          </a:p>
+          <a:p>
+            <a:r>
+              <a:rPr lang="en-US" altLang="ko-KR" sz="2800" dirty="0">
+                <a:solidFill>
+                  <a:srgbClr val="008000"/>
+                </a:solidFill>
+                <a:latin typeface="돋움체" panose="020B0609000101010101" pitchFamily="49" charset="-127"/>
+                <a:ea typeface="돋움체" panose="020B0609000101010101" pitchFamily="49" charset="-127"/>
+              </a:rPr>
+              <a:t>/// &lt;summary&gt;</a:t>
+            </a:r>
+            <a:endParaRPr lang="en-US" altLang="ko-KR" sz="2800" dirty="0">
+              <a:solidFill>
+                <a:srgbClr val="000000"/>
+              </a:solidFill>
+              <a:latin typeface="돋움체" panose="020B0609000101010101" pitchFamily="49" charset="-127"/>
+              <a:ea typeface="돋움체" panose="020B0609000101010101" pitchFamily="49" charset="-127"/>
+            </a:endParaRPr>
+          </a:p>
+          <a:p>
+            <a:r>
+              <a:rPr lang="en-US" altLang="ko-KR" sz="2800" dirty="0">
+                <a:solidFill>
+                  <a:srgbClr val="000000"/>
+                </a:solidFill>
+                <a:latin typeface="돋움체" panose="020B0609000101010101" pitchFamily="49" charset="-127"/>
+                <a:ea typeface="돋움체" panose="020B0609000101010101" pitchFamily="49" charset="-127"/>
+              </a:rPr>
+              <a:t>        </a:t>
+            </a:r>
+            <a:r>
+              <a:rPr lang="en-US" altLang="ko-KR" sz="2800" dirty="0">
+                <a:solidFill>
+                  <a:srgbClr val="008000"/>
+                </a:solidFill>
+                <a:latin typeface="돋움체" panose="020B0609000101010101" pitchFamily="49" charset="-127"/>
+                <a:ea typeface="돋움체" panose="020B0609000101010101" pitchFamily="49" charset="-127"/>
+              </a:rPr>
+              <a:t>/// Generates a complete configuration for the simple item generator.</a:t>
+            </a:r>
+            <a:endParaRPr lang="en-US" altLang="ko-KR" sz="2800" dirty="0">
+              <a:solidFill>
+                <a:srgbClr val="000000"/>
+              </a:solidFill>
+              <a:latin typeface="돋움체" panose="020B0609000101010101" pitchFamily="49" charset="-127"/>
+              <a:ea typeface="돋움체" panose="020B0609000101010101" pitchFamily="49" charset="-127"/>
+            </a:endParaRPr>
+          </a:p>
+          <a:p>
+            <a:r>
+              <a:rPr lang="en-US" altLang="ko-KR" sz="2800" dirty="0">
+                <a:solidFill>
+                  <a:srgbClr val="000000"/>
+                </a:solidFill>
+                <a:latin typeface="돋움체" panose="020B0609000101010101" pitchFamily="49" charset="-127"/>
+                <a:ea typeface="돋움체" panose="020B0609000101010101" pitchFamily="49" charset="-127"/>
+              </a:rPr>
+              <a:t>        </a:t>
+            </a:r>
+            <a:r>
+              <a:rPr lang="en-US" altLang="ko-KR" sz="2800" dirty="0">
+                <a:solidFill>
+                  <a:srgbClr val="008000"/>
+                </a:solidFill>
+                <a:latin typeface="돋움체" panose="020B0609000101010101" pitchFamily="49" charset="-127"/>
+                <a:ea typeface="돋움체" panose="020B0609000101010101" pitchFamily="49" charset="-127"/>
+              </a:rPr>
+              <a:t>/// &lt;/summary&gt;</a:t>
+            </a:r>
+            <a:endParaRPr lang="en-US" altLang="ko-KR" sz="2800" dirty="0">
+              <a:solidFill>
+                <a:srgbClr val="000000"/>
+              </a:solidFill>
+              <a:latin typeface="돋움체" panose="020B0609000101010101" pitchFamily="49" charset="-127"/>
+              <a:ea typeface="돋움체" panose="020B0609000101010101" pitchFamily="49" charset="-127"/>
+            </a:endParaRPr>
+          </a:p>
+          <a:p>
+            <a:r>
+              <a:rPr lang="en-US" altLang="ko-KR" sz="2800" dirty="0">
+                <a:solidFill>
+                  <a:srgbClr val="000000"/>
+                </a:solidFill>
+                <a:latin typeface="돋움체" panose="020B0609000101010101" pitchFamily="49" charset="-127"/>
+                <a:ea typeface="돋움체" panose="020B0609000101010101" pitchFamily="49" charset="-127"/>
+              </a:rPr>
+              <a:t>        </a:t>
+            </a:r>
+            <a:r>
+              <a:rPr lang="en-US" altLang="ko-KR" sz="2800" dirty="0">
+                <a:solidFill>
+                  <a:srgbClr val="008000"/>
+                </a:solidFill>
+                <a:latin typeface="돋움체" panose="020B0609000101010101" pitchFamily="49" charset="-127"/>
+                <a:ea typeface="돋움체" panose="020B0609000101010101" pitchFamily="49" charset="-127"/>
+              </a:rPr>
+              <a:t>/// &lt;param name="</a:t>
+            </a:r>
+            <a:r>
+              <a:rPr lang="en-US" altLang="ko-KR" sz="2800" dirty="0" err="1">
+                <a:solidFill>
+                  <a:srgbClr val="008000"/>
+                </a:solidFill>
+                <a:latin typeface="돋움체" panose="020B0609000101010101" pitchFamily="49" charset="-127"/>
+                <a:ea typeface="돋움체" panose="020B0609000101010101" pitchFamily="49" charset="-127"/>
+              </a:rPr>
+              <a:t>preConfig</a:t>
+            </a:r>
+            <a:r>
+              <a:rPr lang="en-US" altLang="ko-KR" sz="2800" dirty="0">
+                <a:solidFill>
+                  <a:srgbClr val="008000"/>
+                </a:solidFill>
+                <a:latin typeface="돋움체" panose="020B0609000101010101" pitchFamily="49" charset="-127"/>
+                <a:ea typeface="돋움체" panose="020B0609000101010101" pitchFamily="49" charset="-127"/>
+              </a:rPr>
+              <a:t>"&gt;The pre-configuration defining characteristics of the actual configuration.&lt;/param&gt;</a:t>
+            </a:r>
+            <a:endParaRPr lang="en-US" altLang="ko-KR" sz="2800" dirty="0">
+              <a:solidFill>
+                <a:srgbClr val="000000"/>
+              </a:solidFill>
+              <a:latin typeface="돋움체" panose="020B0609000101010101" pitchFamily="49" charset="-127"/>
+              <a:ea typeface="돋움체" panose="020B0609000101010101" pitchFamily="49" charset="-127"/>
+            </a:endParaRPr>
+          </a:p>
+          <a:p>
+            <a:r>
+              <a:rPr lang="en-US" altLang="ko-KR" sz="2800" dirty="0">
+                <a:solidFill>
+                  <a:srgbClr val="000000"/>
+                </a:solidFill>
+                <a:latin typeface="돋움체" panose="020B0609000101010101" pitchFamily="49" charset="-127"/>
+                <a:ea typeface="돋움체" panose="020B0609000101010101" pitchFamily="49" charset="-127"/>
+              </a:rPr>
+              <a:t>        </a:t>
+            </a:r>
+            <a:r>
+              <a:rPr lang="en-US" altLang="ko-KR" sz="2800" dirty="0">
+                <a:solidFill>
+                  <a:srgbClr val="008000"/>
+                </a:solidFill>
+                <a:latin typeface="돋움체" panose="020B0609000101010101" pitchFamily="49" charset="-127"/>
+                <a:ea typeface="돋움체" panose="020B0609000101010101" pitchFamily="49" charset="-127"/>
+              </a:rPr>
+              <a:t>/// &lt;returns&gt;The complete configuration.&lt;/returns&gt;</a:t>
+            </a:r>
+            <a:endParaRPr lang="en-US" altLang="ko-KR" sz="2800" dirty="0">
+              <a:solidFill>
+                <a:srgbClr val="000000"/>
+              </a:solidFill>
+              <a:latin typeface="돋움체" panose="020B0609000101010101" pitchFamily="49" charset="-127"/>
+              <a:ea typeface="돋움체" panose="020B0609000101010101" pitchFamily="49" charset="-127"/>
+            </a:endParaRPr>
+          </a:p>
+          <a:p>
+            <a:r>
+              <a:rPr lang="en-US" altLang="ko-KR" sz="2800" dirty="0">
+                <a:solidFill>
+                  <a:srgbClr val="000000"/>
+                </a:solidFill>
+                <a:latin typeface="돋움체" panose="020B0609000101010101" pitchFamily="49" charset="-127"/>
+                <a:ea typeface="돋움체" panose="020B0609000101010101" pitchFamily="49" charset="-127"/>
+              </a:rPr>
+              <a:t>        </a:t>
+            </a:r>
+            <a:r>
+              <a:rPr lang="en-US" altLang="ko-KR" sz="2800" dirty="0">
+                <a:solidFill>
+                  <a:srgbClr val="0000FF"/>
+                </a:solidFill>
+                <a:latin typeface="돋움체" panose="020B0609000101010101" pitchFamily="49" charset="-127"/>
+                <a:ea typeface="돋움체" panose="020B0609000101010101" pitchFamily="49" charset="-127"/>
+              </a:rPr>
+              <a:t>public</a:t>
+            </a:r>
+            <a:r>
+              <a:rPr lang="en-US" altLang="ko-KR" sz="2800" dirty="0">
+                <a:solidFill>
+                  <a:srgbClr val="000000"/>
+                </a:solidFill>
+                <a:latin typeface="돋움체" panose="020B0609000101010101" pitchFamily="49" charset="-127"/>
+                <a:ea typeface="돋움체" panose="020B0609000101010101" pitchFamily="49" charset="-127"/>
+              </a:rPr>
+              <a:t> </a:t>
+            </a:r>
+            <a:r>
+              <a:rPr lang="en-US" altLang="ko-KR" sz="2800" dirty="0">
+                <a:solidFill>
+                  <a:srgbClr val="0000FF"/>
+                </a:solidFill>
+                <a:latin typeface="돋움체" panose="020B0609000101010101" pitchFamily="49" charset="-127"/>
+                <a:ea typeface="돋움체" panose="020B0609000101010101" pitchFamily="49" charset="-127"/>
+              </a:rPr>
+              <a:t>static</a:t>
+            </a:r>
+            <a:r>
+              <a:rPr lang="en-US" altLang="ko-KR" sz="2800" dirty="0">
+                <a:solidFill>
+                  <a:srgbClr val="000000"/>
+                </a:solidFill>
+                <a:latin typeface="돋움체" panose="020B0609000101010101" pitchFamily="49" charset="-127"/>
+                <a:ea typeface="돋움체" panose="020B0609000101010101" pitchFamily="49" charset="-127"/>
+              </a:rPr>
+              <a:t> </a:t>
+            </a:r>
+            <a:r>
+              <a:rPr lang="en-US" altLang="ko-KR" sz="2800" dirty="0" err="1">
+                <a:solidFill>
+                  <a:srgbClr val="000000"/>
+                </a:solidFill>
+                <a:latin typeface="돋움체" panose="020B0609000101010101" pitchFamily="49" charset="-127"/>
+                <a:ea typeface="돋움체" panose="020B0609000101010101" pitchFamily="49" charset="-127"/>
+              </a:rPr>
+              <a:t>SimpleItemGeneratorConfiguration</a:t>
+            </a:r>
+            <a:r>
+              <a:rPr lang="en-US" altLang="ko-KR" sz="2800" dirty="0">
+                <a:solidFill>
+                  <a:srgbClr val="000000"/>
+                </a:solidFill>
+                <a:latin typeface="돋움체" panose="020B0609000101010101" pitchFamily="49" charset="-127"/>
+                <a:ea typeface="돋움체" panose="020B0609000101010101" pitchFamily="49" charset="-127"/>
+              </a:rPr>
+              <a:t> </a:t>
+            </a:r>
+            <a:r>
+              <a:rPr lang="en-US" altLang="ko-KR" sz="2800" dirty="0" err="1">
+                <a:solidFill>
+                  <a:srgbClr val="000000"/>
+                </a:solidFill>
+                <a:latin typeface="돋움체" panose="020B0609000101010101" pitchFamily="49" charset="-127"/>
+                <a:ea typeface="돋움체" panose="020B0609000101010101" pitchFamily="49" charset="-127"/>
+              </a:rPr>
+              <a:t>GenerateSimpleItemConfiguration</a:t>
+            </a:r>
+            <a:r>
+              <a:rPr lang="en-US" altLang="ko-KR" sz="2800" dirty="0">
+                <a:solidFill>
+                  <a:srgbClr val="000000"/>
+                </a:solidFill>
+                <a:latin typeface="돋움체" panose="020B0609000101010101" pitchFamily="49" charset="-127"/>
+                <a:ea typeface="돋움체" panose="020B0609000101010101" pitchFamily="49" charset="-127"/>
+              </a:rPr>
+              <a:t>(</a:t>
+            </a:r>
+            <a:r>
+              <a:rPr lang="en-US" altLang="ko-KR" sz="2800" dirty="0" err="1">
+                <a:solidFill>
+                  <a:srgbClr val="000000"/>
+                </a:solidFill>
+                <a:latin typeface="돋움체" panose="020B0609000101010101" pitchFamily="49" charset="-127"/>
+                <a:ea typeface="돋움체" panose="020B0609000101010101" pitchFamily="49" charset="-127"/>
+              </a:rPr>
+              <a:t>SimpleItemGeneratorPreConfiguration</a:t>
+            </a:r>
+            <a:r>
+              <a:rPr lang="en-US" altLang="ko-KR" sz="2800" dirty="0">
+                <a:solidFill>
+                  <a:srgbClr val="000000"/>
+                </a:solidFill>
+                <a:latin typeface="돋움체" panose="020B0609000101010101" pitchFamily="49" charset="-127"/>
+                <a:ea typeface="돋움체" panose="020B0609000101010101" pitchFamily="49" charset="-127"/>
+              </a:rPr>
+              <a:t> </a:t>
+            </a:r>
+            <a:r>
+              <a:rPr lang="en-US" altLang="ko-KR" sz="2800" dirty="0" err="1">
+                <a:solidFill>
+                  <a:srgbClr val="000000"/>
+                </a:solidFill>
+                <a:latin typeface="돋움체" panose="020B0609000101010101" pitchFamily="49" charset="-127"/>
+                <a:ea typeface="돋움체" panose="020B0609000101010101" pitchFamily="49" charset="-127"/>
+              </a:rPr>
+              <a:t>preConfig</a:t>
+            </a:r>
+            <a:r>
+              <a:rPr lang="en-US" altLang="ko-KR" sz="2800" dirty="0">
+                <a:solidFill>
+                  <a:srgbClr val="000000"/>
+                </a:solidFill>
+                <a:latin typeface="돋움체" panose="020B0609000101010101" pitchFamily="49" charset="-127"/>
+                <a:ea typeface="돋움체" panose="020B0609000101010101" pitchFamily="49" charset="-127"/>
+              </a:rPr>
+              <a:t>)</a:t>
+            </a:r>
+          </a:p>
+          <a:p>
+            <a:endParaRPr lang="ko-KR" altLang="en-US" dirty="0"/>
+          </a:p>
+        </p:txBody>
+      </p:sp>
+    </p:spTree>
+    <p:extLst>
+      <p:ext uri="{BB962C8B-B14F-4D97-AF65-F5344CB8AC3E}">
+        <p14:creationId xmlns:p14="http://schemas.microsoft.com/office/powerpoint/2010/main" val="3885553711"/>
+      </p:ext>
+    </p:extLst>
+  </p:cSld>
+  <p:clrMapOvr>
+    <a:masterClrMapping/>
+  </p:clrMapOvr>
+</p:sld>
+</file>
+
+<file path=ppt/slides/slide14.xml><?xml version="1.0" encoding="utf-8"?>
+<p:sld xmlns:a="http://schemas.openxmlformats.org/drawingml/2006/main" xmlns:r="http://schemas.openxmlformats.org/officeDocument/2006/relationships" xmlns:p="http://schemas.openxmlformats.org/presentationml/2006/main">
+  <p:cSld>
+    <p:spTree>
+      <p:nvGrpSpPr>
+        <p:cNvPr id="1" name=""/>
+        <p:cNvGrpSpPr/>
+        <p:nvPr/>
+      </p:nvGrpSpPr>
+      <p:grpSpPr>
+        <a:xfrm>
+          <a:off x="0" y="0"/>
+          <a:ext cx="0" cy="0"/>
+          <a:chOff x="0" y="0"/>
+          <a:chExt cx="0" cy="0"/>
+        </a:xfrm>
+      </p:grpSpPr>
+      <p:sp>
+        <p:nvSpPr>
+          <p:cNvPr id="2" name="제목 1">
+            <a:extLst>
+              <a:ext uri="{FF2B5EF4-FFF2-40B4-BE49-F238E27FC236}">
+                <a16:creationId xmlns:a16="http://schemas.microsoft.com/office/drawing/2014/main" id="{E98880E9-EA3B-49EA-AEA4-39A8B8438C2E}"/>
+              </a:ext>
+            </a:extLst>
+          </p:cNvPr>
+          <p:cNvSpPr>
+            <a:spLocks noGrp="1"/>
+          </p:cNvSpPr>
+          <p:nvPr>
+            <p:ph type="title"/>
+          </p:nvPr>
+        </p:nvSpPr>
+        <p:spPr/>
+        <p:txBody>
+          <a:bodyPr/>
+          <a:lstStyle/>
+          <a:p>
+            <a:r>
+              <a:rPr lang="en-US" altLang="ko-KR" dirty="0"/>
+              <a:t>Item random -&gt; order random</a:t>
+            </a:r>
+            <a:endParaRPr lang="ko-KR" altLang="en-US" dirty="0"/>
+          </a:p>
+        </p:txBody>
+      </p:sp>
+      <p:pic>
+        <p:nvPicPr>
+          <p:cNvPr id="9" name="내용 개체 틀 8">
+            <a:extLst>
+              <a:ext uri="{FF2B5EF4-FFF2-40B4-BE49-F238E27FC236}">
+                <a16:creationId xmlns:a16="http://schemas.microsoft.com/office/drawing/2014/main" id="{0C3B74DB-370A-4F7B-A194-D379A49AD245}"/>
+              </a:ext>
+            </a:extLst>
+          </p:cNvPr>
+          <p:cNvPicPr>
+            <a:picLocks noGrp="1" noChangeAspect="1"/>
+          </p:cNvPicPr>
+          <p:nvPr>
+            <p:ph idx="1"/>
+          </p:nvPr>
+        </p:nvPicPr>
+        <p:blipFill>
+          <a:blip r:embed="rId2"/>
+          <a:stretch>
+            <a:fillRect/>
+          </a:stretch>
+        </p:blipFill>
+        <p:spPr>
+          <a:xfrm>
+            <a:off x="372635" y="843195"/>
+            <a:ext cx="3106560" cy="6113370"/>
+          </a:xfrm>
+        </p:spPr>
+      </p:pic>
+      <p:pic>
+        <p:nvPicPr>
+          <p:cNvPr id="7" name="그림 6">
+            <a:extLst>
+              <a:ext uri="{FF2B5EF4-FFF2-40B4-BE49-F238E27FC236}">
+                <a16:creationId xmlns:a16="http://schemas.microsoft.com/office/drawing/2014/main" id="{8F24D148-C80A-45F6-B97A-F7DC9EDE43DB}"/>
+              </a:ext>
+            </a:extLst>
+          </p:cNvPr>
+          <p:cNvPicPr>
+            <a:picLocks noChangeAspect="1"/>
+          </p:cNvPicPr>
+          <p:nvPr/>
+        </p:nvPicPr>
+        <p:blipFill>
+          <a:blip r:embed="rId3"/>
+          <a:stretch>
+            <a:fillRect/>
+          </a:stretch>
+        </p:blipFill>
+        <p:spPr>
+          <a:xfrm>
+            <a:off x="4523678" y="2706100"/>
+            <a:ext cx="6400800" cy="3695700"/>
+          </a:xfrm>
+          <a:prstGeom prst="rect">
+            <a:avLst/>
+          </a:prstGeom>
+        </p:spPr>
+      </p:pic>
+      <p:sp>
+        <p:nvSpPr>
+          <p:cNvPr id="11" name="TextBox 10">
+            <a:extLst>
+              <a:ext uri="{FF2B5EF4-FFF2-40B4-BE49-F238E27FC236}">
+                <a16:creationId xmlns:a16="http://schemas.microsoft.com/office/drawing/2014/main" id="{E38E888A-4589-4D5F-A1BC-EF5ED5F3FC3A}"/>
+              </a:ext>
+            </a:extLst>
+          </p:cNvPr>
+          <p:cNvSpPr txBox="1"/>
+          <p:nvPr/>
+        </p:nvSpPr>
+        <p:spPr>
+          <a:xfrm>
+            <a:off x="3270095" y="1506022"/>
+            <a:ext cx="6094140" cy="369332"/>
+          </a:xfrm>
+          <a:prstGeom prst="rect">
+            <a:avLst/>
+          </a:prstGeom>
+          <a:noFill/>
+        </p:spPr>
+        <p:txBody>
+          <a:bodyPr wrap="square">
+            <a:spAutoFit/>
+          </a:bodyPr>
+          <a:lstStyle/>
+          <a:p>
+            <a:r>
+              <a:rPr lang="en-US" altLang="ko-KR" sz="1800" dirty="0" err="1">
+                <a:solidFill>
+                  <a:srgbClr val="2B91AF"/>
+                </a:solidFill>
+                <a:latin typeface="돋움체" panose="020B0609000101010101" pitchFamily="49" charset="-127"/>
+                <a:ea typeface="돋움체" panose="020B0609000101010101" pitchFamily="49" charset="-127"/>
+              </a:rPr>
+              <a:t>SimpleItemGeneratorPreConfiguration</a:t>
+            </a:r>
+            <a:endParaRPr lang="ko-KR" altLang="en-US" dirty="0"/>
+          </a:p>
+        </p:txBody>
+      </p:sp>
+    </p:spTree>
+    <p:extLst>
+      <p:ext uri="{BB962C8B-B14F-4D97-AF65-F5344CB8AC3E}">
+        <p14:creationId xmlns:p14="http://schemas.microsoft.com/office/powerpoint/2010/main" val="2176641074"/>
       </p:ext>
     </p:extLst>
   </p:cSld>
